--- a/2022 경력 기술서.pptx
+++ b/2022 경력 기술서.pptx
@@ -3989,13 +3989,13 @@
           <p:nvPr>
             <p:extLst>
               <p:ext uri="{D42A27DB-BD31-4B8C-83A1-F6EECF244321}">
-                <p14:modId xmlns:p14="http://schemas.microsoft.com/office/powerpoint/2010/main" val="1626994804"/>
+                <p14:modId xmlns:p14="http://schemas.microsoft.com/office/powerpoint/2010/main" val="1936456843"/>
               </p:ext>
             </p:extLst>
           </p:nvPr>
         </p:nvGraphicFramePr>
         <p:xfrm>
-          <a:off x="450810" y="4743958"/>
+          <a:off x="450810" y="4841654"/>
           <a:ext cx="6012856" cy="4314317"/>
         </p:xfrm>
         <a:graphic>
@@ -10719,7 +10719,7 @@
         </p:nvGrpSpPr>
         <p:grpSpPr>
           <a:xfrm>
-            <a:off x="429784" y="3930495"/>
+            <a:off x="429784" y="3942714"/>
             <a:ext cx="5989722" cy="659068"/>
             <a:chOff x="389092" y="1664287"/>
             <a:chExt cx="5989722" cy="659068"/>
@@ -10891,7 +10891,7 @@
         </p:nvGrpSpPr>
         <p:grpSpPr>
           <a:xfrm>
-            <a:off x="467612" y="1558763"/>
+            <a:off x="467612" y="1611301"/>
             <a:ext cx="3556809" cy="659068"/>
             <a:chOff x="389092" y="1664287"/>
             <a:chExt cx="7427212" cy="659068"/>
@@ -11063,7 +11063,7 @@
         </p:nvSpPr>
         <p:spPr>
           <a:xfrm>
-            <a:off x="462508" y="1950299"/>
+            <a:off x="462508" y="2002837"/>
             <a:ext cx="3561913" cy="2060372"/>
           </a:xfrm>
           <a:prstGeom prst="rect">
@@ -11922,7 +11922,7 @@
         </p:nvGrpSpPr>
         <p:grpSpPr>
           <a:xfrm>
-            <a:off x="4363196" y="1550979"/>
+            <a:off x="4363196" y="1603517"/>
             <a:ext cx="2044802" cy="341753"/>
             <a:chOff x="639000" y="1818315"/>
             <a:chExt cx="2044802" cy="341753"/>
@@ -12049,7 +12049,7 @@
         </p:nvCxnSpPr>
         <p:spPr>
           <a:xfrm flipV="1">
-            <a:off x="4189817" y="1803376"/>
+            <a:off x="4189817" y="1855914"/>
             <a:ext cx="0" cy="2127119"/>
           </a:xfrm>
           <a:prstGeom prst="line">
@@ -12092,7 +12092,7 @@
         </p:nvSpPr>
         <p:spPr>
           <a:xfrm>
-            <a:off x="460599" y="4278875"/>
+            <a:off x="460599" y="4300527"/>
             <a:ext cx="5914062" cy="395365"/>
           </a:xfrm>
           <a:prstGeom prst="rect">
@@ -12347,13 +12347,13 @@
           <p:nvPr>
             <p:extLst>
               <p:ext uri="{D42A27DB-BD31-4B8C-83A1-F6EECF244321}">
-                <p14:modId xmlns:p14="http://schemas.microsoft.com/office/powerpoint/2010/main" val="3704406670"/>
+                <p14:modId xmlns:p14="http://schemas.microsoft.com/office/powerpoint/2010/main" val="2695418873"/>
               </p:ext>
             </p:extLst>
           </p:nvPr>
         </p:nvGraphicFramePr>
         <p:xfrm>
-          <a:off x="4363196" y="1896285"/>
+          <a:off x="4363196" y="1948823"/>
           <a:ext cx="2034205" cy="1781425"/>
         </p:xfrm>
         <a:graphic>
@@ -13298,7 +13298,7 @@
         </p:nvSpPr>
         <p:spPr>
           <a:xfrm>
-            <a:off x="1648044" y="9121735"/>
+            <a:off x="1648044" y="9474038"/>
             <a:ext cx="3561913" cy="233782"/>
           </a:xfrm>
           <a:prstGeom prst="rect">

--- a/2022 경력 기술서.pptx
+++ b/2022 경력 기술서.pptx
@@ -3989,13 +3989,13 @@
           <p:nvPr>
             <p:extLst>
               <p:ext uri="{D42A27DB-BD31-4B8C-83A1-F6EECF244321}">
-                <p14:modId xmlns:p14="http://schemas.microsoft.com/office/powerpoint/2010/main" val="1936456843"/>
+                <p14:modId xmlns:p14="http://schemas.microsoft.com/office/powerpoint/2010/main" val="2995103819"/>
               </p:ext>
             </p:extLst>
           </p:nvPr>
         </p:nvGraphicFramePr>
         <p:xfrm>
-          <a:off x="450810" y="4841654"/>
+          <a:off x="450810" y="4774620"/>
           <a:ext cx="6012856" cy="4314317"/>
         </p:xfrm>
         <a:graphic>
@@ -10719,7 +10719,7 @@
         </p:nvGrpSpPr>
         <p:grpSpPr>
           <a:xfrm>
-            <a:off x="429784" y="3942714"/>
+            <a:off x="429784" y="3875680"/>
             <a:ext cx="5989722" cy="659068"/>
             <a:chOff x="389092" y="1664287"/>
             <a:chExt cx="5989722" cy="659068"/>
@@ -11063,8 +11063,8 @@
         </p:nvSpPr>
         <p:spPr>
           <a:xfrm>
-            <a:off x="462508" y="2002837"/>
-            <a:ext cx="3561913" cy="2060372"/>
+            <a:off x="467612" y="2000102"/>
+            <a:ext cx="3561913" cy="1875578"/>
           </a:xfrm>
           <a:prstGeom prst="rect">
             <a:avLst/>
@@ -11077,11 +11077,6 @@
           </a:bodyPr>
           <a:lstStyle/>
           <a:p>
-            <a:pPr>
-              <a:lnSpc>
-                <a:spcPct val="150000"/>
-              </a:lnSpc>
-            </a:pPr>
             <a:r>
               <a:rPr lang="ko-KR" altLang="en-US" sz="700" b="1" dirty="0">
                 <a:solidFill>
@@ -11162,13 +11157,24 @@
               </a:rPr>
               <a:t>.</a:t>
             </a:r>
+            <a:br>
+              <a:rPr lang="en-US" altLang="ko-KR" sz="700" b="1" dirty="0">
+                <a:solidFill>
+                  <a:srgbClr val="282C43"/>
+                </a:solidFill>
+                <a:latin typeface="Arial" panose="020B0604020202020204" pitchFamily="34" charset="0"/>
+                <a:cs typeface="Arial" panose="020B0604020202020204" pitchFamily="34" charset="0"/>
+              </a:rPr>
+            </a:br>
+            <a:endParaRPr lang="en-US" altLang="ko-KR" sz="700" b="1" dirty="0">
+              <a:solidFill>
+                <a:srgbClr val="282C43"/>
+              </a:solidFill>
+              <a:latin typeface="Arial" panose="020B0604020202020204" pitchFamily="34" charset="0"/>
+              <a:cs typeface="Arial" panose="020B0604020202020204" pitchFamily="34" charset="0"/>
+            </a:endParaRPr>
           </a:p>
           <a:p>
-            <a:pPr>
-              <a:lnSpc>
-                <a:spcPct val="150000"/>
-              </a:lnSpc>
-            </a:pPr>
             <a:r>
               <a:rPr lang="ko-KR" altLang="en-US" sz="700" dirty="0">
                 <a:solidFill>
@@ -11180,7 +11186,20 @@
                 <a:latin typeface="Arial" panose="020B0604020202020204" pitchFamily="34" charset="0"/>
                 <a:cs typeface="Arial" panose="020B0604020202020204" pitchFamily="34" charset="0"/>
               </a:rPr>
-              <a:t> </a:t>
+              <a:t>  </a:t>
+            </a:r>
+            <a:r>
+              <a:rPr lang="en-US" altLang="ko-KR" sz="700" dirty="0">
+                <a:solidFill>
+                  <a:schemeClr val="tx1">
+                    <a:lumMod val="65000"/>
+                    <a:lumOff val="35000"/>
+                  </a:schemeClr>
+                </a:solidFill>
+                <a:latin typeface="Arial" panose="020B0604020202020204" pitchFamily="34" charset="0"/>
+                <a:cs typeface="Arial" panose="020B0604020202020204" pitchFamily="34" charset="0"/>
+              </a:rPr>
+              <a:t>.</a:t>
             </a:r>
             <a:r>
               <a:rPr lang="en-US" altLang="ko-KR" sz="600" dirty="0">
@@ -11193,7 +11212,7 @@
                 <a:latin typeface="Arial" panose="020B0604020202020204" pitchFamily="34" charset="0"/>
                 <a:cs typeface="Arial" panose="020B0604020202020204" pitchFamily="34" charset="0"/>
               </a:rPr>
-              <a:t>.NET</a:t>
+              <a:t>NET</a:t>
             </a:r>
             <a:r>
               <a:rPr lang="ko-KR" altLang="en-US" sz="600" dirty="0">
@@ -11219,7 +11238,7 @@
                 <a:latin typeface="Arial" panose="020B0604020202020204" pitchFamily="34" charset="0"/>
                 <a:cs typeface="Arial" panose="020B0604020202020204" pitchFamily="34" charset="0"/>
               </a:rPr>
-              <a:t>.</a:t>
+              <a:t>. </a:t>
             </a:r>
             <a:r>
               <a:rPr lang="ko-KR" altLang="en-US" sz="600" dirty="0">
@@ -11232,7 +11251,7 @@
                 <a:latin typeface="Arial" panose="020B0604020202020204" pitchFamily="34" charset="0"/>
                 <a:cs typeface="Arial" panose="020B0604020202020204" pitchFamily="34" charset="0"/>
               </a:rPr>
-              <a:t> 경력 기간동안 수행한 프로젝트에서  사용한 기술들인 </a:t>
+              <a:t>경력 기간 동안 수행한 프로젝트에서 사용한 기술들인 </a:t>
             </a:r>
             <a:r>
               <a:rPr lang="en-US" altLang="ko-KR" sz="600" dirty="0">
@@ -11245,7 +11264,20 @@
                 <a:latin typeface="Arial" panose="020B0604020202020204" pitchFamily="34" charset="0"/>
                 <a:cs typeface="Arial" panose="020B0604020202020204" pitchFamily="34" charset="0"/>
               </a:rPr>
-              <a:t>gRPC</a:t>
+              <a:t>gRPC , EF6(ORM), Oracle(RDBMS)</a:t>
+            </a:r>
+            <a:r>
+              <a:rPr lang="ko-KR" altLang="en-US" sz="600" dirty="0" err="1">
+                <a:solidFill>
+                  <a:schemeClr val="tx1">
+                    <a:lumMod val="65000"/>
+                    <a:lumOff val="35000"/>
+                  </a:schemeClr>
+                </a:solidFill>
+                <a:latin typeface="Arial" panose="020B0604020202020204" pitchFamily="34" charset="0"/>
+                <a:cs typeface="Arial" panose="020B0604020202020204" pitchFamily="34" charset="0"/>
+              </a:rPr>
+              <a:t>를</a:t>
             </a:r>
             <a:r>
               <a:rPr lang="ko-KR" altLang="en-US" sz="600" dirty="0">
@@ -11258,33 +11290,7 @@
                 <a:latin typeface="Arial" panose="020B0604020202020204" pitchFamily="34" charset="0"/>
                 <a:cs typeface="Arial" panose="020B0604020202020204" pitchFamily="34" charset="0"/>
               </a:rPr>
-              <a:t> </a:t>
-            </a:r>
-            <a:r>
-              <a:rPr lang="en-US" altLang="ko-KR" sz="600" dirty="0">
-                <a:solidFill>
-                  <a:schemeClr val="tx1">
-                    <a:lumMod val="65000"/>
-                    <a:lumOff val="35000"/>
-                  </a:schemeClr>
-                </a:solidFill>
-                <a:latin typeface="Arial" panose="020B0604020202020204" pitchFamily="34" charset="0"/>
-                <a:cs typeface="Arial" panose="020B0604020202020204" pitchFamily="34" charset="0"/>
-              </a:rPr>
-              <a:t>, EF6(ORM), Oracle(RDBMS)</a:t>
-            </a:r>
-            <a:r>
-              <a:rPr lang="ko-KR" altLang="en-US" sz="600" dirty="0">
-                <a:solidFill>
-                  <a:schemeClr val="tx1">
-                    <a:lumMod val="65000"/>
-                    <a:lumOff val="35000"/>
-                  </a:schemeClr>
-                </a:solidFill>
-                <a:latin typeface="Arial" panose="020B0604020202020204" pitchFamily="34" charset="0"/>
-                <a:cs typeface="Arial" panose="020B0604020202020204" pitchFamily="34" charset="0"/>
-              </a:rPr>
-              <a:t>를 능숙하게 다룰 수 있습니다</a:t>
+              <a:t> 능숙하게 다룰 수 있습니다</a:t>
             </a:r>
             <a:r>
               <a:rPr lang="en-US" altLang="ko-KR" sz="600" dirty="0">
@@ -11334,7 +11340,7 @@
                 <a:latin typeface="Arial" panose="020B0604020202020204" pitchFamily="34" charset="0"/>
                 <a:cs typeface="Arial" panose="020B0604020202020204" pitchFamily="34" charset="0"/>
               </a:rPr>
-              <a:t> 한번 설정한 목표에 도달할 때 까지 계획을 항상 준비하고</a:t>
+              <a:t>  한번 설정한 목표에 도달할 때까지 계획을 항상 준비하고</a:t>
             </a:r>
             <a:r>
               <a:rPr lang="en-US" altLang="ko-KR" sz="600" dirty="0">
@@ -11347,7 +11353,7 @@
                 <a:latin typeface="Arial" panose="020B0604020202020204" pitchFamily="34" charset="0"/>
                 <a:cs typeface="Arial" panose="020B0604020202020204" pitchFamily="34" charset="0"/>
               </a:rPr>
-              <a:t>,</a:t>
+              <a:t>, </a:t>
             </a:r>
             <a:r>
               <a:rPr lang="ko-KR" altLang="en-US" sz="600" dirty="0">
@@ -11360,7 +11366,7 @@
                 <a:latin typeface="Arial" panose="020B0604020202020204" pitchFamily="34" charset="0"/>
                 <a:cs typeface="Arial" panose="020B0604020202020204" pitchFamily="34" charset="0"/>
               </a:rPr>
-              <a:t> 유연한 사고와 꾸준한 집중력으로 목표를 이루는 게 제 강점이라고 생각합니다</a:t>
+              <a:t>유연한 사고와 꾸준한 집중력으로 목표를 이루는 게 제 강점이라고 생각합니다</a:t>
             </a:r>
             <a:r>
               <a:rPr lang="en-US" altLang="ko-KR" sz="600" dirty="0">
@@ -11375,29 +11381,6 @@
               </a:rPr>
               <a:t>.</a:t>
             </a:r>
-            <a:r>
-              <a:rPr lang="ko-KR" altLang="en-US" sz="600" dirty="0">
-                <a:solidFill>
-                  <a:schemeClr val="tx1">
-                    <a:lumMod val="65000"/>
-                    <a:lumOff val="35000"/>
-                  </a:schemeClr>
-                </a:solidFill>
-                <a:latin typeface="Arial" panose="020B0604020202020204" pitchFamily="34" charset="0"/>
-                <a:cs typeface="Arial" panose="020B0604020202020204" pitchFamily="34" charset="0"/>
-              </a:rPr>
-              <a:t> </a:t>
-            </a:r>
-            <a:endParaRPr lang="en-US" altLang="ko-KR" sz="600" dirty="0">
-              <a:solidFill>
-                <a:schemeClr val="tx1">
-                  <a:lumMod val="65000"/>
-                  <a:lumOff val="35000"/>
-                </a:schemeClr>
-              </a:solidFill>
-              <a:latin typeface="Arial" panose="020B0604020202020204" pitchFamily="34" charset="0"/>
-              <a:cs typeface="Arial" panose="020B0604020202020204" pitchFamily="34" charset="0"/>
-            </a:endParaRPr>
           </a:p>
           <a:p>
             <a:pPr>
@@ -11418,6 +11401,19 @@
               </a:rPr>
             </a:br>
             <a:r>
+              <a:rPr lang="en-US" altLang="ko-KR" sz="600" dirty="0">
+                <a:solidFill>
+                  <a:schemeClr val="tx1">
+                    <a:lumMod val="65000"/>
+                    <a:lumOff val="35000"/>
+                  </a:schemeClr>
+                </a:solidFill>
+                <a:latin typeface="Arial" panose="020B0604020202020204" pitchFamily="34" charset="0"/>
+                <a:cs typeface="Arial" panose="020B0604020202020204" pitchFamily="34" charset="0"/>
+              </a:rPr>
+              <a:t> </a:t>
+            </a:r>
+            <a:r>
               <a:rPr lang="ko-KR" altLang="en-US" sz="600" dirty="0">
                 <a:solidFill>
                   <a:schemeClr val="tx1">
@@ -11428,7 +11424,7 @@
                 <a:latin typeface="Arial" panose="020B0604020202020204" pitchFamily="34" charset="0"/>
                 <a:cs typeface="Arial" panose="020B0604020202020204" pitchFamily="34" charset="0"/>
               </a:rPr>
-              <a:t>  현재 약 </a:t>
+              <a:t>현재 약 </a:t>
             </a:r>
             <a:r>
               <a:rPr lang="en-US" altLang="ko-KR" sz="600" dirty="0">
@@ -11467,7 +11463,7 @@
                 <a:latin typeface="Arial" panose="020B0604020202020204" pitchFamily="34" charset="0"/>
                 <a:cs typeface="Arial" panose="020B0604020202020204" pitchFamily="34" charset="0"/>
               </a:rPr>
-              <a:t>.</a:t>
+              <a:t>. </a:t>
             </a:r>
             <a:r>
               <a:rPr lang="ko-KR" altLang="en-US" sz="600" dirty="0">
@@ -11480,7 +11476,7 @@
                 <a:latin typeface="Arial" panose="020B0604020202020204" pitchFamily="34" charset="0"/>
                 <a:cs typeface="Arial" panose="020B0604020202020204" pitchFamily="34" charset="0"/>
               </a:rPr>
-              <a:t> 이 공백기 동안 공부가 필요하다고 생각했던 </a:t>
+              <a:t>이 공백기 동안 공부가 필요하다고 생각했던 </a:t>
             </a:r>
             <a:r>
               <a:rPr lang="en-US" altLang="ko-KR" sz="600" dirty="0">
@@ -11506,7 +11502,7 @@
                 <a:latin typeface="Arial" panose="020B0604020202020204" pitchFamily="34" charset="0"/>
                 <a:cs typeface="Arial" panose="020B0604020202020204" pitchFamily="34" charset="0"/>
               </a:rPr>
-              <a:t>에 대해 깊이 공부하자는 목표를 세웠습니다</a:t>
+              <a:t>에 관해 깊이 공부해보자는 목표를 세웠습니다</a:t>
             </a:r>
             <a:r>
               <a:rPr lang="en-US" altLang="ko-KR" sz="600" dirty="0">
@@ -11519,7 +11515,7 @@
                 <a:latin typeface="Arial" panose="020B0604020202020204" pitchFamily="34" charset="0"/>
                 <a:cs typeface="Arial" panose="020B0604020202020204" pitchFamily="34" charset="0"/>
               </a:rPr>
-              <a:t>.</a:t>
+              <a:t>. </a:t>
             </a:r>
             <a:r>
               <a:rPr lang="ko-KR" altLang="en-US" sz="600" dirty="0">
@@ -11532,7 +11528,7 @@
                 <a:latin typeface="Arial" panose="020B0604020202020204" pitchFamily="34" charset="0"/>
                 <a:cs typeface="Arial" panose="020B0604020202020204" pitchFamily="34" charset="0"/>
               </a:rPr>
-              <a:t> 그 결과</a:t>
+              <a:t>그 결과</a:t>
             </a:r>
             <a:r>
               <a:rPr lang="en-US" altLang="ko-KR" sz="600" dirty="0">
@@ -11545,33 +11541,7 @@
                 <a:latin typeface="Arial" panose="020B0604020202020204" pitchFamily="34" charset="0"/>
                 <a:cs typeface="Arial" panose="020B0604020202020204" pitchFamily="34" charset="0"/>
               </a:rPr>
-              <a:t>,</a:t>
-            </a:r>
-            <a:r>
-              <a:rPr lang="ko-KR" altLang="en-US" sz="600" dirty="0">
-                <a:solidFill>
-                  <a:schemeClr val="tx1">
-                    <a:lumMod val="65000"/>
-                    <a:lumOff val="35000"/>
-                  </a:schemeClr>
-                </a:solidFill>
-                <a:latin typeface="Arial" panose="020B0604020202020204" pitchFamily="34" charset="0"/>
-                <a:cs typeface="Arial" panose="020B0604020202020204" pitchFamily="34" charset="0"/>
-              </a:rPr>
-              <a:t> </a:t>
-            </a:r>
-            <a:r>
-              <a:rPr lang="en-US" altLang="ko-KR" sz="600" dirty="0">
-                <a:solidFill>
-                  <a:schemeClr val="tx1">
-                    <a:lumMod val="65000"/>
-                    <a:lumOff val="35000"/>
-                  </a:schemeClr>
-                </a:solidFill>
-                <a:latin typeface="Arial" panose="020B0604020202020204" pitchFamily="34" charset="0"/>
-                <a:cs typeface="Arial" panose="020B0604020202020204" pitchFamily="34" charset="0"/>
-              </a:rPr>
-              <a:t>2</a:t>
+              <a:t>, 2</a:t>
             </a:r>
             <a:r>
               <a:rPr lang="ko-KR" altLang="en-US" sz="600" dirty="0">
@@ -11597,7 +11567,7 @@
                 <a:latin typeface="Arial" panose="020B0604020202020204" pitchFamily="34" charset="0"/>
                 <a:cs typeface="Arial" panose="020B0604020202020204" pitchFamily="34" charset="0"/>
               </a:rPr>
-              <a:t>AWS Certificates</a:t>
+              <a:t>AWS </a:t>
             </a:r>
             <a:r>
               <a:rPr lang="ko-KR" altLang="en-US" sz="600" dirty="0">
@@ -11610,7 +11580,7 @@
                 <a:latin typeface="Arial" panose="020B0604020202020204" pitchFamily="34" charset="0"/>
                 <a:cs typeface="Arial" panose="020B0604020202020204" pitchFamily="34" charset="0"/>
               </a:rPr>
-              <a:t>를 취득하면서 </a:t>
+              <a:t>인증을 취득하면서 </a:t>
             </a:r>
             <a:r>
               <a:rPr lang="en-US" altLang="ko-KR" sz="600" dirty="0">
@@ -11636,7 +11606,7 @@
                 <a:latin typeface="Arial" panose="020B0604020202020204" pitchFamily="34" charset="0"/>
                 <a:cs typeface="Arial" panose="020B0604020202020204" pitchFamily="34" charset="0"/>
               </a:rPr>
-              <a:t>에서 탄탄한</a:t>
+              <a:t>에서 탄탄한 </a:t>
             </a:r>
             <a:r>
               <a:rPr lang="en-US" altLang="ko-KR" sz="600" dirty="0">
@@ -11649,7 +11619,20 @@
                 <a:latin typeface="Arial" panose="020B0604020202020204" pitchFamily="34" charset="0"/>
                 <a:cs typeface="Arial" panose="020B0604020202020204" pitchFamily="34" charset="0"/>
               </a:rPr>
-              <a:t> Infra</a:t>
+              <a:t>Infra</a:t>
+            </a:r>
+            <a:r>
+              <a:rPr lang="ko-KR" altLang="en-US" sz="600" dirty="0" err="1">
+                <a:solidFill>
+                  <a:schemeClr val="tx1">
+                    <a:lumMod val="65000"/>
+                    <a:lumOff val="35000"/>
+                  </a:schemeClr>
+                </a:solidFill>
+                <a:latin typeface="Arial" panose="020B0604020202020204" pitchFamily="34" charset="0"/>
+                <a:cs typeface="Arial" panose="020B0604020202020204" pitchFamily="34" charset="0"/>
+              </a:rPr>
+              <a:t>를</a:t>
             </a:r>
             <a:r>
               <a:rPr lang="ko-KR" altLang="en-US" sz="600" dirty="0">
@@ -11662,7 +11645,7 @@
                 <a:latin typeface="Arial" panose="020B0604020202020204" pitchFamily="34" charset="0"/>
                 <a:cs typeface="Arial" panose="020B0604020202020204" pitchFamily="34" charset="0"/>
               </a:rPr>
-              <a:t>를 구성하고</a:t>
+              <a:t> 구성하고</a:t>
             </a:r>
             <a:r>
               <a:rPr lang="en-US" altLang="ko-KR" sz="600" dirty="0">
@@ -11675,7 +11658,7 @@
                 <a:latin typeface="Arial" panose="020B0604020202020204" pitchFamily="34" charset="0"/>
                 <a:cs typeface="Arial" panose="020B0604020202020204" pitchFamily="34" charset="0"/>
               </a:rPr>
-              <a:t>,</a:t>
+              <a:t>, </a:t>
             </a:r>
             <a:r>
               <a:rPr lang="ko-KR" altLang="en-US" sz="600" dirty="0">
@@ -11688,7 +11671,7 @@
                 <a:latin typeface="Arial" panose="020B0604020202020204" pitchFamily="34" charset="0"/>
                 <a:cs typeface="Arial" panose="020B0604020202020204" pitchFamily="34" charset="0"/>
               </a:rPr>
-              <a:t> 개발에서 이 </a:t>
+              <a:t>개발에서 이 </a:t>
             </a:r>
             <a:r>
               <a:rPr lang="en-US" altLang="ko-KR" sz="600" dirty="0">
@@ -11704,6 +11687,19 @@
               <a:t>infra</a:t>
             </a:r>
             <a:r>
+              <a:rPr lang="ko-KR" altLang="en-US" sz="600" dirty="0" err="1">
+                <a:solidFill>
+                  <a:schemeClr val="tx1">
+                    <a:lumMod val="65000"/>
+                    <a:lumOff val="35000"/>
+                  </a:schemeClr>
+                </a:solidFill>
+                <a:latin typeface="Arial" panose="020B0604020202020204" pitchFamily="34" charset="0"/>
+                <a:cs typeface="Arial" panose="020B0604020202020204" pitchFamily="34" charset="0"/>
+              </a:rPr>
+              <a:t>를</a:t>
+            </a:r>
+            <a:r>
               <a:rPr lang="ko-KR" altLang="en-US" sz="600" dirty="0">
                 <a:solidFill>
                   <a:schemeClr val="tx1">
@@ -11714,7 +11710,7 @@
                 <a:latin typeface="Arial" panose="020B0604020202020204" pitchFamily="34" charset="0"/>
                 <a:cs typeface="Arial" panose="020B0604020202020204" pitchFamily="34" charset="0"/>
               </a:rPr>
-              <a:t>를 효율적으로 사용하기 위해 필요한 지식을 갖추었습니다</a:t>
+              <a:t> 효율적으로 사용하는 데 필요한 지식을 갖추게 되었습니다</a:t>
             </a:r>
             <a:r>
               <a:rPr lang="en-US" altLang="ko-KR" sz="600" dirty="0">
@@ -11764,7 +11760,7 @@
                 <a:latin typeface="Arial" panose="020B0604020202020204" pitchFamily="34" charset="0"/>
                 <a:cs typeface="Arial" panose="020B0604020202020204" pitchFamily="34" charset="0"/>
               </a:rPr>
-              <a:t>  토스에 입사해</a:t>
+              <a:t>  제 강점을 활용해서 토스의 </a:t>
             </a:r>
             <a:r>
               <a:rPr lang="en-US" altLang="ko-KR" sz="600" dirty="0">
@@ -11777,7 +11773,7 @@
                 <a:latin typeface="Arial" panose="020B0604020202020204" pitchFamily="34" charset="0"/>
                 <a:cs typeface="Arial" panose="020B0604020202020204" pitchFamily="34" charset="0"/>
               </a:rPr>
-              <a:t>,</a:t>
+              <a:t>Global </a:t>
             </a:r>
             <a:r>
               <a:rPr lang="ko-KR" altLang="en-US" sz="600" dirty="0">
@@ -11790,7 +11786,7 @@
                 <a:latin typeface="Arial" panose="020B0604020202020204" pitchFamily="34" charset="0"/>
                 <a:cs typeface="Arial" panose="020B0604020202020204" pitchFamily="34" charset="0"/>
               </a:rPr>
-              <a:t> 제 강점을 이용해서 </a:t>
+              <a:t>팀에서 </a:t>
             </a:r>
             <a:r>
               <a:rPr lang="en-US" altLang="ko-KR" sz="600" dirty="0">
@@ -11806,6 +11802,19 @@
               <a:t>AWS</a:t>
             </a:r>
             <a:r>
+              <a:rPr lang="ko-KR" altLang="en-US" sz="600" dirty="0" err="1">
+                <a:solidFill>
+                  <a:schemeClr val="tx1">
+                    <a:lumMod val="65000"/>
+                    <a:lumOff val="35000"/>
+                  </a:schemeClr>
+                </a:solidFill>
+                <a:latin typeface="Arial" panose="020B0604020202020204" pitchFamily="34" charset="0"/>
+                <a:cs typeface="Arial" panose="020B0604020202020204" pitchFamily="34" charset="0"/>
+              </a:rPr>
+              <a:t>를</a:t>
+            </a:r>
+            <a:r>
               <a:rPr lang="ko-KR" altLang="en-US" sz="600" dirty="0">
                 <a:solidFill>
                   <a:schemeClr val="tx1">
@@ -11816,7 +11825,7 @@
                 <a:latin typeface="Arial" panose="020B0604020202020204" pitchFamily="34" charset="0"/>
                 <a:cs typeface="Arial" panose="020B0604020202020204" pitchFamily="34" charset="0"/>
               </a:rPr>
-              <a:t>를 사용해 개발한 서비스의 </a:t>
+              <a:t> 사용해 개발한 서비스가 금융 분야의 </a:t>
             </a:r>
             <a:r>
               <a:rPr lang="en-US" altLang="ko-KR" sz="600" dirty="0">
@@ -11829,7 +11838,7 @@
                 <a:latin typeface="Arial" panose="020B0604020202020204" pitchFamily="34" charset="0"/>
                 <a:cs typeface="Arial" panose="020B0604020202020204" pitchFamily="34" charset="0"/>
               </a:rPr>
-              <a:t>Architecture</a:t>
+              <a:t>AWS </a:t>
             </a:r>
             <a:r>
               <a:rPr lang="ko-KR" altLang="en-US" sz="600" dirty="0">
@@ -11842,33 +11851,7 @@
                 <a:latin typeface="Arial" panose="020B0604020202020204" pitchFamily="34" charset="0"/>
                 <a:cs typeface="Arial" panose="020B0604020202020204" pitchFamily="34" charset="0"/>
               </a:rPr>
-              <a:t>를 금융 분야의 </a:t>
-            </a:r>
-            <a:r>
-              <a:rPr lang="en-US" altLang="ko-KR" sz="600" dirty="0">
-                <a:solidFill>
-                  <a:schemeClr val="tx1">
-                    <a:lumMod val="65000"/>
-                    <a:lumOff val="35000"/>
-                  </a:schemeClr>
-                </a:solidFill>
-                <a:latin typeface="Arial" panose="020B0604020202020204" pitchFamily="34" charset="0"/>
-                <a:cs typeface="Arial" panose="020B0604020202020204" pitchFamily="34" charset="0"/>
-              </a:rPr>
-              <a:t>AWS</a:t>
-            </a:r>
-            <a:r>
-              <a:rPr lang="ko-KR" altLang="en-US" sz="600" dirty="0">
-                <a:solidFill>
-                  <a:schemeClr val="tx1">
-                    <a:lumMod val="65000"/>
-                    <a:lumOff val="35000"/>
-                  </a:schemeClr>
-                </a:solidFill>
-                <a:latin typeface="Arial" panose="020B0604020202020204" pitchFamily="34" charset="0"/>
-                <a:cs typeface="Arial" panose="020B0604020202020204" pitchFamily="34" charset="0"/>
-              </a:rPr>
-              <a:t> 모범 아키텍처 사례에 소개하고 싶다는 포부가 있습니다</a:t>
+              <a:t>모범 아키텍처 사례에 소개될 정도로 안정적이고 효율적인 서비스를 만들고 싶다는 포부가 있습니다</a:t>
             </a:r>
             <a:r>
               <a:rPr lang="en-US" altLang="ko-KR" sz="600" dirty="0">
@@ -11883,19 +11866,7 @@
               </a:rPr>
               <a:t>.</a:t>
             </a:r>
-            <a:br>
-              <a:rPr lang="en-US" altLang="ko-KR" sz="600" dirty="0">
-                <a:solidFill>
-                  <a:schemeClr val="tx1">
-                    <a:lumMod val="65000"/>
-                    <a:lumOff val="35000"/>
-                  </a:schemeClr>
-                </a:solidFill>
-                <a:latin typeface="Arial" panose="020B0604020202020204" pitchFamily="34" charset="0"/>
-                <a:cs typeface="Arial" panose="020B0604020202020204" pitchFamily="34" charset="0"/>
-              </a:rPr>
-            </a:br>
-            <a:endParaRPr lang="en-US" altLang="ko-KR" sz="600" dirty="0">
+            <a:endParaRPr lang="en-US" altLang="ko-KR" sz="500" dirty="0">
               <a:solidFill>
                 <a:schemeClr val="tx1">
                   <a:lumMod val="65000"/>
@@ -12092,7 +12063,7 @@
         </p:nvSpPr>
         <p:spPr>
           <a:xfrm>
-            <a:off x="460599" y="4300527"/>
+            <a:off x="460599" y="4233493"/>
             <a:ext cx="5914062" cy="395365"/>
           </a:xfrm>
           <a:prstGeom prst="rect">
